--- a/lesson04.pptx
+++ b/lesson04.pptx
@@ -205,8 +205,8 @@
 <pc:chgInfo xmlns:a="http://schemas.openxmlformats.org/drawingml/2006/main" xmlns:r="http://schemas.openxmlformats.org/officeDocument/2006/relationships" xmlns:ac="http://schemas.microsoft.com/office/drawing/2013/main/command" xmlns:pc="http://schemas.microsoft.com/office/powerpoint/2013/main/command">
   <pc:docChgLst>
     <pc:chgData name="Anatoliy Kigel" userId="7432c6c4687b0a9c" providerId="LiveId" clId="{DC1D193B-2D81-4A1C-A26A-A5F41116BF84}"/>
-    <pc:docChg chg="delSld modSld modSection">
-      <pc:chgData name="Anatoliy Kigel" userId="7432c6c4687b0a9c" providerId="LiveId" clId="{DC1D193B-2D81-4A1C-A26A-A5F41116BF84}" dt="2022-06-12T18:01:12.383" v="2" actId="20577"/>
+    <pc:docChg chg="undo custSel delSld modSld modSection">
+      <pc:chgData name="Anatoliy Kigel" userId="7432c6c4687b0a9c" providerId="LiveId" clId="{DC1D193B-2D81-4A1C-A26A-A5F41116BF84}" dt="2022-06-13T18:47:26.947" v="123" actId="14100"/>
       <pc:docMkLst>
         <pc:docMk/>
       </pc:docMkLst>
@@ -216,6 +216,335 @@
           <pc:docMk/>
           <pc:sldMk cId="1643012278" sldId="329"/>
         </pc:sldMkLst>
+      </pc:sldChg>
+      <pc:sldChg chg="delSp modSp mod">
+        <pc:chgData name="Anatoliy Kigel" userId="7432c6c4687b0a9c" providerId="LiveId" clId="{DC1D193B-2D81-4A1C-A26A-A5F41116BF84}" dt="2022-06-13T18:45:22.551" v="22" actId="1035"/>
+        <pc:sldMkLst>
+          <pc:docMk/>
+          <pc:sldMk cId="2646915555" sldId="331"/>
+        </pc:sldMkLst>
+        <pc:spChg chg="del">
+          <ac:chgData name="Anatoliy Kigel" userId="7432c6c4687b0a9c" providerId="LiveId" clId="{DC1D193B-2D81-4A1C-A26A-A5F41116BF84}" dt="2022-06-13T18:45:16.118" v="3" actId="478"/>
+          <ac:spMkLst>
+            <pc:docMk/>
+            <pc:sldMk cId="2646915555" sldId="331"/>
+            <ac:spMk id="2" creationId="{00000000-0000-0000-0000-000000000000}"/>
+          </ac:spMkLst>
+        </pc:spChg>
+        <pc:spChg chg="del">
+          <ac:chgData name="Anatoliy Kigel" userId="7432c6c4687b0a9c" providerId="LiveId" clId="{DC1D193B-2D81-4A1C-A26A-A5F41116BF84}" dt="2022-06-13T18:45:16.118" v="3" actId="478"/>
+          <ac:spMkLst>
+            <pc:docMk/>
+            <pc:sldMk cId="2646915555" sldId="331"/>
+            <ac:spMk id="3" creationId="{00000000-0000-0000-0000-000000000000}"/>
+          </ac:spMkLst>
+        </pc:spChg>
+        <pc:spChg chg="del">
+          <ac:chgData name="Anatoliy Kigel" userId="7432c6c4687b0a9c" providerId="LiveId" clId="{DC1D193B-2D81-4A1C-A26A-A5F41116BF84}" dt="2022-06-13T18:45:16.118" v="3" actId="478"/>
+          <ac:spMkLst>
+            <pc:docMk/>
+            <pc:sldMk cId="2646915555" sldId="331"/>
+            <ac:spMk id="10" creationId="{00000000-0000-0000-0000-000000000000}"/>
+          </ac:spMkLst>
+        </pc:spChg>
+        <pc:spChg chg="mod">
+          <ac:chgData name="Anatoliy Kigel" userId="7432c6c4687b0a9c" providerId="LiveId" clId="{DC1D193B-2D81-4A1C-A26A-A5F41116BF84}" dt="2022-06-13T18:45:22.551" v="22" actId="1035"/>
+          <ac:spMkLst>
+            <pc:docMk/>
+            <pc:sldMk cId="2646915555" sldId="331"/>
+            <ac:spMk id="12" creationId="{00000000-0000-0000-0000-000000000000}"/>
+          </ac:spMkLst>
+        </pc:spChg>
+        <pc:spChg chg="del">
+          <ac:chgData name="Anatoliy Kigel" userId="7432c6c4687b0a9c" providerId="LiveId" clId="{DC1D193B-2D81-4A1C-A26A-A5F41116BF84}" dt="2022-06-13T18:45:16.118" v="3" actId="478"/>
+          <ac:spMkLst>
+            <pc:docMk/>
+            <pc:sldMk cId="2646915555" sldId="331"/>
+            <ac:spMk id="13" creationId="{00000000-0000-0000-0000-000000000000}"/>
+          </ac:spMkLst>
+        </pc:spChg>
+        <pc:picChg chg="mod">
+          <ac:chgData name="Anatoliy Kigel" userId="7432c6c4687b0a9c" providerId="LiveId" clId="{DC1D193B-2D81-4A1C-A26A-A5F41116BF84}" dt="2022-06-13T18:45:22.551" v="22" actId="1035"/>
+          <ac:picMkLst>
+            <pc:docMk/>
+            <pc:sldMk cId="2646915555" sldId="331"/>
+            <ac:picMk id="11" creationId="{00000000-0000-0000-0000-000000000000}"/>
+          </ac:picMkLst>
+        </pc:picChg>
+      </pc:sldChg>
+      <pc:sldChg chg="delSp modSp mod">
+        <pc:chgData name="Anatoliy Kigel" userId="7432c6c4687b0a9c" providerId="LiveId" clId="{DC1D193B-2D81-4A1C-A26A-A5F41116BF84}" dt="2022-06-13T18:45:30.100" v="26" actId="1036"/>
+        <pc:sldMkLst>
+          <pc:docMk/>
+          <pc:sldMk cId="1888545716" sldId="333"/>
+        </pc:sldMkLst>
+        <pc:spChg chg="del">
+          <ac:chgData name="Anatoliy Kigel" userId="7432c6c4687b0a9c" providerId="LiveId" clId="{DC1D193B-2D81-4A1C-A26A-A5F41116BF84}" dt="2022-06-13T18:45:28.447" v="23" actId="478"/>
+          <ac:spMkLst>
+            <pc:docMk/>
+            <pc:sldMk cId="1888545716" sldId="333"/>
+            <ac:spMk id="4" creationId="{00000000-0000-0000-0000-000000000000}"/>
+          </ac:spMkLst>
+        </pc:spChg>
+        <pc:spChg chg="mod">
+          <ac:chgData name="Anatoliy Kigel" userId="7432c6c4687b0a9c" providerId="LiveId" clId="{DC1D193B-2D81-4A1C-A26A-A5F41116BF84}" dt="2022-06-13T18:45:30.100" v="26" actId="1036"/>
+          <ac:spMkLst>
+            <pc:docMk/>
+            <pc:sldMk cId="1888545716" sldId="333"/>
+            <ac:spMk id="12" creationId="{00000000-0000-0000-0000-000000000000}"/>
+          </ac:spMkLst>
+        </pc:spChg>
+        <pc:picChg chg="mod">
+          <ac:chgData name="Anatoliy Kigel" userId="7432c6c4687b0a9c" providerId="LiveId" clId="{DC1D193B-2D81-4A1C-A26A-A5F41116BF84}" dt="2022-06-13T18:45:30.100" v="26" actId="1036"/>
+          <ac:picMkLst>
+            <pc:docMk/>
+            <pc:sldMk cId="1888545716" sldId="333"/>
+            <ac:picMk id="2" creationId="{00000000-0000-0000-0000-000000000000}"/>
+          </ac:picMkLst>
+        </pc:picChg>
+      </pc:sldChg>
+      <pc:sldChg chg="delSp modSp mod">
+        <pc:chgData name="Anatoliy Kigel" userId="7432c6c4687b0a9c" providerId="LiveId" clId="{DC1D193B-2D81-4A1C-A26A-A5F41116BF84}" dt="2022-06-13T18:45:38.443" v="35" actId="1036"/>
+        <pc:sldMkLst>
+          <pc:docMk/>
+          <pc:sldMk cId="332370805" sldId="334"/>
+        </pc:sldMkLst>
+        <pc:spChg chg="mod">
+          <ac:chgData name="Anatoliy Kigel" userId="7432c6c4687b0a9c" providerId="LiveId" clId="{DC1D193B-2D81-4A1C-A26A-A5F41116BF84}" dt="2022-06-13T18:45:38.443" v="35" actId="1036"/>
+          <ac:spMkLst>
+            <pc:docMk/>
+            <pc:sldMk cId="332370805" sldId="334"/>
+            <ac:spMk id="3" creationId="{00000000-0000-0000-0000-000000000000}"/>
+          </ac:spMkLst>
+        </pc:spChg>
+        <pc:spChg chg="del">
+          <ac:chgData name="Anatoliy Kigel" userId="7432c6c4687b0a9c" providerId="LiveId" clId="{DC1D193B-2D81-4A1C-A26A-A5F41116BF84}" dt="2022-06-13T18:45:34.115" v="27" actId="478"/>
+          <ac:spMkLst>
+            <pc:docMk/>
+            <pc:sldMk cId="332370805" sldId="334"/>
+            <ac:spMk id="4" creationId="{00000000-0000-0000-0000-000000000000}"/>
+          </ac:spMkLst>
+        </pc:spChg>
+        <pc:spChg chg="mod">
+          <ac:chgData name="Anatoliy Kigel" userId="7432c6c4687b0a9c" providerId="LiveId" clId="{DC1D193B-2D81-4A1C-A26A-A5F41116BF84}" dt="2022-06-13T18:45:37.466" v="32" actId="1036"/>
+          <ac:spMkLst>
+            <pc:docMk/>
+            <pc:sldMk cId="332370805" sldId="334"/>
+            <ac:spMk id="5" creationId="{00000000-0000-0000-0000-000000000000}"/>
+          </ac:spMkLst>
+        </pc:spChg>
+        <pc:spChg chg="mod">
+          <ac:chgData name="Anatoliy Kigel" userId="7432c6c4687b0a9c" providerId="LiveId" clId="{DC1D193B-2D81-4A1C-A26A-A5F41116BF84}" dt="2022-06-13T18:45:37.466" v="32" actId="1036"/>
+          <ac:spMkLst>
+            <pc:docMk/>
+            <pc:sldMk cId="332370805" sldId="334"/>
+            <ac:spMk id="7" creationId="{00000000-0000-0000-0000-000000000000}"/>
+          </ac:spMkLst>
+        </pc:spChg>
+        <pc:spChg chg="mod">
+          <ac:chgData name="Anatoliy Kigel" userId="7432c6c4687b0a9c" providerId="LiveId" clId="{DC1D193B-2D81-4A1C-A26A-A5F41116BF84}" dt="2022-06-13T18:45:37.466" v="32" actId="1036"/>
+          <ac:spMkLst>
+            <pc:docMk/>
+            <pc:sldMk cId="332370805" sldId="334"/>
+            <ac:spMk id="9" creationId="{00000000-0000-0000-0000-000000000000}"/>
+          </ac:spMkLst>
+        </pc:spChg>
+        <pc:spChg chg="mod">
+          <ac:chgData name="Anatoliy Kigel" userId="7432c6c4687b0a9c" providerId="LiveId" clId="{DC1D193B-2D81-4A1C-A26A-A5F41116BF84}" dt="2022-06-13T18:45:37.466" v="32" actId="1036"/>
+          <ac:spMkLst>
+            <pc:docMk/>
+            <pc:sldMk cId="332370805" sldId="334"/>
+            <ac:spMk id="11" creationId="{00000000-0000-0000-0000-000000000000}"/>
+          </ac:spMkLst>
+        </pc:spChg>
+        <pc:spChg chg="mod">
+          <ac:chgData name="Anatoliy Kigel" userId="7432c6c4687b0a9c" providerId="LiveId" clId="{DC1D193B-2D81-4A1C-A26A-A5F41116BF84}" dt="2022-06-13T18:45:37.466" v="32" actId="1036"/>
+          <ac:spMkLst>
+            <pc:docMk/>
+            <pc:sldMk cId="332370805" sldId="334"/>
+            <ac:spMk id="13" creationId="{00000000-0000-0000-0000-000000000000}"/>
+          </ac:spMkLst>
+        </pc:spChg>
+        <pc:spChg chg="mod">
+          <ac:chgData name="Anatoliy Kigel" userId="7432c6c4687b0a9c" providerId="LiveId" clId="{DC1D193B-2D81-4A1C-A26A-A5F41116BF84}" dt="2022-06-13T18:45:37.466" v="32" actId="1036"/>
+          <ac:spMkLst>
+            <pc:docMk/>
+            <pc:sldMk cId="332370805" sldId="334"/>
+            <ac:spMk id="14" creationId="{00000000-0000-0000-0000-000000000000}"/>
+          </ac:spMkLst>
+        </pc:spChg>
+      </pc:sldChg>
+      <pc:sldChg chg="delSp modSp mod">
+        <pc:chgData name="Anatoliy Kigel" userId="7432c6c4687b0a9c" providerId="LiveId" clId="{DC1D193B-2D81-4A1C-A26A-A5F41116BF84}" dt="2022-06-13T18:45:51.221" v="59" actId="1035"/>
+        <pc:sldMkLst>
+          <pc:docMk/>
+          <pc:sldMk cId="4121718603" sldId="336"/>
+        </pc:sldMkLst>
+        <pc:spChg chg="mod">
+          <ac:chgData name="Anatoliy Kigel" userId="7432c6c4687b0a9c" providerId="LiveId" clId="{DC1D193B-2D81-4A1C-A26A-A5F41116BF84}" dt="2022-06-13T18:45:51.221" v="59" actId="1035"/>
+          <ac:spMkLst>
+            <pc:docMk/>
+            <pc:sldMk cId="4121718603" sldId="336"/>
+            <ac:spMk id="3" creationId="{00000000-0000-0000-0000-000000000000}"/>
+          </ac:spMkLst>
+        </pc:spChg>
+        <pc:spChg chg="del">
+          <ac:chgData name="Anatoliy Kigel" userId="7432c6c4687b0a9c" providerId="LiveId" clId="{DC1D193B-2D81-4A1C-A26A-A5F41116BF84}" dt="2022-06-13T18:45:46.619" v="36" actId="478"/>
+          <ac:spMkLst>
+            <pc:docMk/>
+            <pc:sldMk cId="4121718603" sldId="336"/>
+            <ac:spMk id="6" creationId="{00000000-0000-0000-0000-000000000000}"/>
+          </ac:spMkLst>
+        </pc:spChg>
+        <pc:spChg chg="del">
+          <ac:chgData name="Anatoliy Kigel" userId="7432c6c4687b0a9c" providerId="LiveId" clId="{DC1D193B-2D81-4A1C-A26A-A5F41116BF84}" dt="2022-06-13T18:45:46.619" v="36" actId="478"/>
+          <ac:spMkLst>
+            <pc:docMk/>
+            <pc:sldMk cId="4121718603" sldId="336"/>
+            <ac:spMk id="12" creationId="{00000000-0000-0000-0000-000000000000}"/>
+          </ac:spMkLst>
+        </pc:spChg>
+        <pc:spChg chg="mod">
+          <ac:chgData name="Anatoliy Kigel" userId="7432c6c4687b0a9c" providerId="LiveId" clId="{DC1D193B-2D81-4A1C-A26A-A5F41116BF84}" dt="2022-06-13T18:45:48.903" v="48" actId="1036"/>
+          <ac:spMkLst>
+            <pc:docMk/>
+            <pc:sldMk cId="4121718603" sldId="336"/>
+            <ac:spMk id="13" creationId="{00000000-0000-0000-0000-000000000000}"/>
+          </ac:spMkLst>
+        </pc:spChg>
+        <pc:picChg chg="mod">
+          <ac:chgData name="Anatoliy Kigel" userId="7432c6c4687b0a9c" providerId="LiveId" clId="{DC1D193B-2D81-4A1C-A26A-A5F41116BF84}" dt="2022-06-13T18:45:48.903" v="48" actId="1036"/>
+          <ac:picMkLst>
+            <pc:docMk/>
+            <pc:sldMk cId="4121718603" sldId="336"/>
+            <ac:picMk id="5" creationId="{00000000-0000-0000-0000-000000000000}"/>
+          </ac:picMkLst>
+        </pc:picChg>
+      </pc:sldChg>
+      <pc:sldChg chg="delSp modSp mod">
+        <pc:chgData name="Anatoliy Kigel" userId="7432c6c4687b0a9c" providerId="LiveId" clId="{DC1D193B-2D81-4A1C-A26A-A5F41116BF84}" dt="2022-06-13T18:46:00.307" v="69" actId="1036"/>
+        <pc:sldMkLst>
+          <pc:docMk/>
+          <pc:sldMk cId="314709014" sldId="339"/>
+        </pc:sldMkLst>
+        <pc:spChg chg="mod">
+          <ac:chgData name="Anatoliy Kigel" userId="7432c6c4687b0a9c" providerId="LiveId" clId="{DC1D193B-2D81-4A1C-A26A-A5F41116BF84}" dt="2022-06-13T18:45:58.891" v="66" actId="1036"/>
+          <ac:spMkLst>
+            <pc:docMk/>
+            <pc:sldMk cId="314709014" sldId="339"/>
+            <ac:spMk id="2" creationId="{00000000-0000-0000-0000-000000000000}"/>
+          </ac:spMkLst>
+        </pc:spChg>
+        <pc:spChg chg="mod">
+          <ac:chgData name="Anatoliy Kigel" userId="7432c6c4687b0a9c" providerId="LiveId" clId="{DC1D193B-2D81-4A1C-A26A-A5F41116BF84}" dt="2022-06-13T18:46:00.307" v="69" actId="1036"/>
+          <ac:spMkLst>
+            <pc:docMk/>
+            <pc:sldMk cId="314709014" sldId="339"/>
+            <ac:spMk id="4" creationId="{00000000-0000-0000-0000-000000000000}"/>
+          </ac:spMkLst>
+        </pc:spChg>
+        <pc:spChg chg="mod">
+          <ac:chgData name="Anatoliy Kigel" userId="7432c6c4687b0a9c" providerId="LiveId" clId="{DC1D193B-2D81-4A1C-A26A-A5F41116BF84}" dt="2022-06-13T18:45:58.891" v="66" actId="1036"/>
+          <ac:spMkLst>
+            <pc:docMk/>
+            <pc:sldMk cId="314709014" sldId="339"/>
+            <ac:spMk id="5" creationId="{00000000-0000-0000-0000-000000000000}"/>
+          </ac:spMkLst>
+        </pc:spChg>
+        <pc:spChg chg="mod">
+          <ac:chgData name="Anatoliy Kigel" userId="7432c6c4687b0a9c" providerId="LiveId" clId="{DC1D193B-2D81-4A1C-A26A-A5F41116BF84}" dt="2022-06-13T18:45:58.891" v="66" actId="1036"/>
+          <ac:spMkLst>
+            <pc:docMk/>
+            <pc:sldMk cId="314709014" sldId="339"/>
+            <ac:spMk id="9" creationId="{00000000-0000-0000-0000-000000000000}"/>
+          </ac:spMkLst>
+        </pc:spChg>
+        <pc:spChg chg="del">
+          <ac:chgData name="Anatoliy Kigel" userId="7432c6c4687b0a9c" providerId="LiveId" clId="{DC1D193B-2D81-4A1C-A26A-A5F41116BF84}" dt="2022-06-13T18:45:56.023" v="60" actId="478"/>
+          <ac:spMkLst>
+            <pc:docMk/>
+            <pc:sldMk cId="314709014" sldId="339"/>
+            <ac:spMk id="15" creationId="{00000000-0000-0000-0000-000000000000}"/>
+          </ac:spMkLst>
+        </pc:spChg>
+      </pc:sldChg>
+      <pc:sldChg chg="delSp modSp mod">
+        <pc:chgData name="Anatoliy Kigel" userId="7432c6c4687b0a9c" providerId="LiveId" clId="{DC1D193B-2D81-4A1C-A26A-A5F41116BF84}" dt="2022-06-13T18:46:09.907" v="77" actId="1036"/>
+        <pc:sldMkLst>
+          <pc:docMk/>
+          <pc:sldMk cId="1456563747" sldId="340"/>
+        </pc:sldMkLst>
+        <pc:spChg chg="mod">
+          <ac:chgData name="Anatoliy Kigel" userId="7432c6c4687b0a9c" providerId="LiveId" clId="{DC1D193B-2D81-4A1C-A26A-A5F41116BF84}" dt="2022-06-13T18:46:06.623" v="72" actId="1076"/>
+          <ac:spMkLst>
+            <pc:docMk/>
+            <pc:sldMk cId="1456563747" sldId="340"/>
+            <ac:spMk id="4" creationId="{00000000-0000-0000-0000-000000000000}"/>
+          </ac:spMkLst>
+        </pc:spChg>
+        <pc:spChg chg="mod">
+          <ac:chgData name="Anatoliy Kigel" userId="7432c6c4687b0a9c" providerId="LiveId" clId="{DC1D193B-2D81-4A1C-A26A-A5F41116BF84}" dt="2022-06-13T18:46:09.907" v="77" actId="1036"/>
+          <ac:spMkLst>
+            <pc:docMk/>
+            <pc:sldMk cId="1456563747" sldId="340"/>
+            <ac:spMk id="7" creationId="{00000000-0000-0000-0000-000000000000}"/>
+          </ac:spMkLst>
+        </pc:spChg>
+        <pc:spChg chg="del">
+          <ac:chgData name="Anatoliy Kigel" userId="7432c6c4687b0a9c" providerId="LiveId" clId="{DC1D193B-2D81-4A1C-A26A-A5F41116BF84}" dt="2022-06-13T18:46:04.303" v="70" actId="478"/>
+          <ac:spMkLst>
+            <pc:docMk/>
+            <pc:sldMk cId="1456563747" sldId="340"/>
+            <ac:spMk id="15" creationId="{00000000-0000-0000-0000-000000000000}"/>
+          </ac:spMkLst>
+        </pc:spChg>
+        <pc:graphicFrameChg chg="mod">
+          <ac:chgData name="Anatoliy Kigel" userId="7432c6c4687b0a9c" providerId="LiveId" clId="{DC1D193B-2D81-4A1C-A26A-A5F41116BF84}" dt="2022-06-13T18:46:09.907" v="77" actId="1036"/>
+          <ac:graphicFrameMkLst>
+            <pc:docMk/>
+            <pc:sldMk cId="1456563747" sldId="340"/>
+            <ac:graphicFrameMk id="3" creationId="{00000000-0000-0000-0000-000000000000}"/>
+          </ac:graphicFrameMkLst>
+        </pc:graphicFrameChg>
+      </pc:sldChg>
+      <pc:sldChg chg="delSp modSp mod">
+        <pc:chgData name="Anatoliy Kigel" userId="7432c6c4687b0a9c" providerId="LiveId" clId="{DC1D193B-2D81-4A1C-A26A-A5F41116BF84}" dt="2022-06-13T18:46:16.274" v="81" actId="1036"/>
+        <pc:sldMkLst>
+          <pc:docMk/>
+          <pc:sldMk cId="4135726101" sldId="341"/>
+        </pc:sldMkLst>
+        <pc:spChg chg="mod">
+          <ac:chgData name="Anatoliy Kigel" userId="7432c6c4687b0a9c" providerId="LiveId" clId="{DC1D193B-2D81-4A1C-A26A-A5F41116BF84}" dt="2022-06-13T18:46:16.274" v="81" actId="1036"/>
+          <ac:spMkLst>
+            <pc:docMk/>
+            <pc:sldMk cId="4135726101" sldId="341"/>
+            <ac:spMk id="4" creationId="{00000000-0000-0000-0000-000000000000}"/>
+          </ac:spMkLst>
+        </pc:spChg>
+        <pc:spChg chg="del">
+          <ac:chgData name="Anatoliy Kigel" userId="7432c6c4687b0a9c" providerId="LiveId" clId="{DC1D193B-2D81-4A1C-A26A-A5F41116BF84}" dt="2022-06-13T18:46:13.975" v="78" actId="478"/>
+          <ac:spMkLst>
+            <pc:docMk/>
+            <pc:sldMk cId="4135726101" sldId="341"/>
+            <ac:spMk id="14" creationId="{00000000-0000-0000-0000-000000000000}"/>
+          </ac:spMkLst>
+        </pc:spChg>
+        <pc:graphicFrameChg chg="mod">
+          <ac:chgData name="Anatoliy Kigel" userId="7432c6c4687b0a9c" providerId="LiveId" clId="{DC1D193B-2D81-4A1C-A26A-A5F41116BF84}" dt="2022-06-13T18:46:16.274" v="81" actId="1036"/>
+          <ac:graphicFrameMkLst>
+            <pc:docMk/>
+            <pc:sldMk cId="4135726101" sldId="341"/>
+            <ac:graphicFrameMk id="3" creationId="{00000000-0000-0000-0000-000000000000}"/>
+          </ac:graphicFrameMkLst>
+        </pc:graphicFrameChg>
+        <pc:graphicFrameChg chg="mod">
+          <ac:chgData name="Anatoliy Kigel" userId="7432c6c4687b0a9c" providerId="LiveId" clId="{DC1D193B-2D81-4A1C-A26A-A5F41116BF84}" dt="2022-06-13T18:46:16.274" v="81" actId="1036"/>
+          <ac:graphicFrameMkLst>
+            <pc:docMk/>
+            <pc:sldMk cId="4135726101" sldId="341"/>
+            <ac:graphicFrameMk id="9" creationId="{00000000-0000-0000-0000-000000000000}"/>
+          </ac:graphicFrameMkLst>
+        </pc:graphicFrameChg>
       </pc:sldChg>
       <pc:sldChg chg="modSp mod">
         <pc:chgData name="Anatoliy Kigel" userId="7432c6c4687b0a9c" providerId="LiveId" clId="{DC1D193B-2D81-4A1C-A26A-A5F41116BF84}" dt="2022-06-12T18:01:12.383" v="2" actId="20577"/>
@@ -231,6 +560,83 @@
             <ac:spMk id="3" creationId="{6E5F44AD-DB51-418D-9EEB-D21AD7729CF9}"/>
           </ac:spMkLst>
         </pc:spChg>
+      </pc:sldChg>
+      <pc:sldChg chg="delSp modSp mod">
+        <pc:chgData name="Anatoliy Kigel" userId="7432c6c4687b0a9c" providerId="LiveId" clId="{DC1D193B-2D81-4A1C-A26A-A5F41116BF84}" dt="2022-06-13T18:46:27.899" v="87" actId="1036"/>
+        <pc:sldMkLst>
+          <pc:docMk/>
+          <pc:sldMk cId="138133493" sldId="363"/>
+        </pc:sldMkLst>
+        <pc:spChg chg="mod">
+          <ac:chgData name="Anatoliy Kigel" userId="7432c6c4687b0a9c" providerId="LiveId" clId="{DC1D193B-2D81-4A1C-A26A-A5F41116BF84}" dt="2022-06-13T18:46:27.899" v="87" actId="1036"/>
+          <ac:spMkLst>
+            <pc:docMk/>
+            <pc:sldMk cId="138133493" sldId="363"/>
+            <ac:spMk id="10" creationId="{00000000-0000-0000-0000-000000000000}"/>
+          </ac:spMkLst>
+        </pc:spChg>
+        <pc:spChg chg="del">
+          <ac:chgData name="Anatoliy Kigel" userId="7432c6c4687b0a9c" providerId="LiveId" clId="{DC1D193B-2D81-4A1C-A26A-A5F41116BF84}" dt="2022-06-13T18:46:25.630" v="82" actId="478"/>
+          <ac:spMkLst>
+            <pc:docMk/>
+            <pc:sldMk cId="138133493" sldId="363"/>
+            <ac:spMk id="11" creationId="{00000000-0000-0000-0000-000000000000}"/>
+          </ac:spMkLst>
+        </pc:spChg>
+        <pc:spChg chg="mod">
+          <ac:chgData name="Anatoliy Kigel" userId="7432c6c4687b0a9c" providerId="LiveId" clId="{DC1D193B-2D81-4A1C-A26A-A5F41116BF84}" dt="2022-06-13T18:46:27.899" v="87" actId="1036"/>
+          <ac:spMkLst>
+            <pc:docMk/>
+            <pc:sldMk cId="138133493" sldId="363"/>
+            <ac:spMk id="16" creationId="{00000000-0000-0000-0000-000000000000}"/>
+          </ac:spMkLst>
+        </pc:spChg>
+      </pc:sldChg>
+      <pc:sldChg chg="modSp mod">
+        <pc:chgData name="Anatoliy Kigel" userId="7432c6c4687b0a9c" providerId="LiveId" clId="{DC1D193B-2D81-4A1C-A26A-A5F41116BF84}" dt="2022-06-13T18:47:26.947" v="123" actId="14100"/>
+        <pc:sldMkLst>
+          <pc:docMk/>
+          <pc:sldMk cId="1034010322" sldId="364"/>
+        </pc:sldMkLst>
+        <pc:spChg chg="mod">
+          <ac:chgData name="Anatoliy Kigel" userId="7432c6c4687b0a9c" providerId="LiveId" clId="{DC1D193B-2D81-4A1C-A26A-A5F41116BF84}" dt="2022-06-13T18:47:26.947" v="123" actId="14100"/>
+          <ac:spMkLst>
+            <pc:docMk/>
+            <pc:sldMk cId="1034010322" sldId="364"/>
+            <ac:spMk id="4" creationId="{588D9AAF-00CC-432D-A1F2-9D3639D1154D}"/>
+          </ac:spMkLst>
+        </pc:spChg>
+      </pc:sldChg>
+      <pc:sldChg chg="delSp modSp mod">
+        <pc:chgData name="Anatoliy Kigel" userId="7432c6c4687b0a9c" providerId="LiveId" clId="{DC1D193B-2D81-4A1C-A26A-A5F41116BF84}" dt="2022-06-13T18:46:40.598" v="104" actId="1036"/>
+        <pc:sldMkLst>
+          <pc:docMk/>
+          <pc:sldMk cId="2395894973" sldId="366"/>
+        </pc:sldMkLst>
+        <pc:spChg chg="del">
+          <ac:chgData name="Anatoliy Kigel" userId="7432c6c4687b0a9c" providerId="LiveId" clId="{DC1D193B-2D81-4A1C-A26A-A5F41116BF84}" dt="2022-06-13T18:46:36.513" v="88" actId="478"/>
+          <ac:spMkLst>
+            <pc:docMk/>
+            <pc:sldMk cId="2395894973" sldId="366"/>
+            <ac:spMk id="2" creationId="{00000000-0000-0000-0000-000000000000}"/>
+          </ac:spMkLst>
+        </pc:spChg>
+        <pc:spChg chg="mod">
+          <ac:chgData name="Anatoliy Kigel" userId="7432c6c4687b0a9c" providerId="LiveId" clId="{DC1D193B-2D81-4A1C-A26A-A5F41116BF84}" dt="2022-06-13T18:46:40.598" v="104" actId="1036"/>
+          <ac:spMkLst>
+            <pc:docMk/>
+            <pc:sldMk cId="2395894973" sldId="366"/>
+            <ac:spMk id="6" creationId="{00000000-0000-0000-0000-000000000000}"/>
+          </ac:spMkLst>
+        </pc:spChg>
+        <pc:picChg chg="mod">
+          <ac:chgData name="Anatoliy Kigel" userId="7432c6c4687b0a9c" providerId="LiveId" clId="{DC1D193B-2D81-4A1C-A26A-A5F41116BF84}" dt="2022-06-13T18:46:39.149" v="99" actId="1036"/>
+          <ac:picMkLst>
+            <pc:docMk/>
+            <pc:sldMk cId="2395894973" sldId="366"/>
+            <ac:picMk id="5" creationId="{8B4CA5C0-73FC-480F-B415-1E9BBAB80EED}"/>
+          </ac:picMkLst>
+        </pc:picChg>
       </pc:sldChg>
     </pc:docChg>
   </pc:docChgLst>
@@ -990,7 +1396,7 @@
             <a:fld id="{85522811-C5C6-42D2-A409-F8556720C93F}" type="datetimeFigureOut">
               <a:rPr lang="uk-UA" smtClean="0"/>
               <a:pPr/>
-              <a:t>12.06.2022</a:t>
+              <a:t>13.06.2022</a:t>
             </a:fld>
             <a:endParaRPr lang="uk-UA"/>
           </a:p>
@@ -1620,7 +2026,7 @@
             <a:fld id="{E6FC6B0D-6115-4D7C-8040-9C8E2349BB6E}" type="datetime1">
               <a:rPr lang="uk-UA" smtClean="0"/>
               <a:pPr/>
-              <a:t>12.06.2022</a:t>
+              <a:t>13.06.2022</a:t>
             </a:fld>
             <a:endParaRPr lang="uk-UA"/>
           </a:p>
@@ -1787,7 +2193,7 @@
             <a:fld id="{996367BA-0A39-4DE2-BFC3-D5290044365E}" type="datetime1">
               <a:rPr lang="uk-UA" smtClean="0"/>
               <a:pPr/>
-              <a:t>12.06.2022</a:t>
+              <a:t>13.06.2022</a:t>
             </a:fld>
             <a:endParaRPr lang="uk-UA"/>
           </a:p>
@@ -1964,7 +2370,7 @@
             <a:fld id="{1BD6A67F-6C29-47DC-AF8A-FDB3C787DF70}" type="datetime1">
               <a:rPr lang="uk-UA" smtClean="0"/>
               <a:pPr/>
-              <a:t>12.06.2022</a:t>
+              <a:t>13.06.2022</a:t>
             </a:fld>
             <a:endParaRPr lang="uk-UA"/>
           </a:p>
@@ -2131,7 +2537,7 @@
             <a:fld id="{1657D9C5-7FF1-434F-B56E-9BAD559744E9}" type="datetime1">
               <a:rPr lang="uk-UA" smtClean="0"/>
               <a:pPr/>
-              <a:t>12.06.2022</a:t>
+              <a:t>13.06.2022</a:t>
             </a:fld>
             <a:endParaRPr lang="uk-UA"/>
           </a:p>
@@ -2374,7 +2780,7 @@
             <a:fld id="{2CEB0FC9-DE63-476B-A1A9-BE934D9049F8}" type="datetime1">
               <a:rPr lang="uk-UA" smtClean="0"/>
               <a:pPr/>
-              <a:t>12.06.2022</a:t>
+              <a:t>13.06.2022</a:t>
             </a:fld>
             <a:endParaRPr lang="uk-UA"/>
           </a:p>
@@ -2659,7 +3065,7 @@
             <a:fld id="{F964460F-86E2-4DF6-9D0F-12F5005CF375}" type="datetime1">
               <a:rPr lang="uk-UA" smtClean="0"/>
               <a:pPr/>
-              <a:t>12.06.2022</a:t>
+              <a:t>13.06.2022</a:t>
             </a:fld>
             <a:endParaRPr lang="uk-UA"/>
           </a:p>
@@ -3078,7 +3484,7 @@
             <a:fld id="{C521715E-DDCD-4267-B0A5-2918B6F6768A}" type="datetime1">
               <a:rPr lang="uk-UA" smtClean="0"/>
               <a:pPr/>
-              <a:t>12.06.2022</a:t>
+              <a:t>13.06.2022</a:t>
             </a:fld>
             <a:endParaRPr lang="uk-UA"/>
           </a:p>
@@ -3193,7 +3599,7 @@
             <a:fld id="{9289842C-EB2D-4EBB-A272-2F6A49D9794D}" type="datetime1">
               <a:rPr lang="uk-UA" smtClean="0"/>
               <a:pPr/>
-              <a:t>12.06.2022</a:t>
+              <a:t>13.06.2022</a:t>
             </a:fld>
             <a:endParaRPr lang="uk-UA"/>
           </a:p>
@@ -3285,7 +3691,7 @@
             <a:fld id="{D036F091-B700-4B52-99AC-85D0FD94D904}" type="datetime1">
               <a:rPr lang="uk-UA" smtClean="0"/>
               <a:pPr/>
-              <a:t>12.06.2022</a:t>
+              <a:t>13.06.2022</a:t>
             </a:fld>
             <a:endParaRPr lang="uk-UA"/>
           </a:p>
@@ -3559,7 +3965,7 @@
             <a:fld id="{B35DFABA-3811-4634-B803-2EAC4CD0063B}" type="datetime1">
               <a:rPr lang="uk-UA" smtClean="0"/>
               <a:pPr/>
-              <a:t>12.06.2022</a:t>
+              <a:t>13.06.2022</a:t>
             </a:fld>
             <a:endParaRPr lang="uk-UA"/>
           </a:p>
@@ -3809,7 +4215,7 @@
             <a:fld id="{8A9EA25E-F88E-463A-A119-D1E55A881002}" type="datetime1">
               <a:rPr lang="uk-UA" smtClean="0"/>
               <a:pPr/>
-              <a:t>12.06.2022</a:t>
+              <a:t>13.06.2022</a:t>
             </a:fld>
             <a:endParaRPr lang="uk-UA"/>
           </a:p>
@@ -4019,7 +4425,7 @@
             <a:fld id="{E708ED03-0080-49A2-B709-7DA4ACB3A1C3}" type="datetime1">
               <a:rPr lang="uk-UA" smtClean="0"/>
               <a:pPr/>
-              <a:t>12.06.2022</a:t>
+              <a:t>13.06.2022</a:t>
             </a:fld>
             <a:endParaRPr lang="uk-UA"/>
           </a:p>
@@ -4715,7 +5121,7 @@
         </p:nvSpPr>
         <p:spPr>
           <a:xfrm>
-            <a:off x="0" y="251938"/>
+            <a:off x="0" y="692696"/>
             <a:ext cx="12191999" cy="646331"/>
           </a:xfrm>
           <a:prstGeom prst="rect">
@@ -4758,7 +5164,7 @@
         </p:blipFill>
         <p:spPr>
           <a:xfrm>
-            <a:off x="966937" y="1370479"/>
+            <a:off x="966937" y="2178918"/>
             <a:ext cx="3743325" cy="2762250"/>
           </a:xfrm>
           <a:prstGeom prst="rect">
@@ -4782,75 +5188,13 @@
       </p:pic>
       <p:sp>
         <p:nvSpPr>
-          <p:cNvPr id="6" name="Прямоугольник 5"/>
-          <p:cNvSpPr/>
-          <p:nvPr/>
-        </p:nvSpPr>
-        <p:spPr>
-          <a:xfrm>
-            <a:off x="1230885" y="5405538"/>
-            <a:ext cx="3642920" cy="369332"/>
-          </a:xfrm>
-          <a:prstGeom prst="rect">
-            <a:avLst/>
-          </a:prstGeom>
-        </p:spPr>
-        <p:txBody>
-          <a:bodyPr wrap="none">
-            <a:spAutoFit/>
-          </a:bodyPr>
-          <a:lstStyle/>
-          <a:p>
-            <a:r>
-              <a:rPr lang="en-US" b="1" dirty="0">
-                <a:hlinkClick r:id="rId3"/>
-              </a:rPr>
-              <a:t>https://webref.ru/css/border-radius</a:t>
-            </a:r>
-            <a:endParaRPr lang="uk-UA" b="1" dirty="0"/>
-          </a:p>
-        </p:txBody>
-      </p:sp>
-      <p:sp>
-        <p:nvSpPr>
-          <p:cNvPr id="12" name="Прямоугольник 11"/>
-          <p:cNvSpPr/>
-          <p:nvPr/>
-        </p:nvSpPr>
-        <p:spPr>
-          <a:xfrm>
-            <a:off x="1230885" y="4790282"/>
-            <a:ext cx="3506281" cy="369332"/>
-          </a:xfrm>
-          <a:prstGeom prst="rect">
-            <a:avLst/>
-          </a:prstGeom>
-        </p:spPr>
-        <p:txBody>
-          <a:bodyPr wrap="none">
-            <a:spAutoFit/>
-          </a:bodyPr>
-          <a:lstStyle/>
-          <a:p>
-            <a:r>
-              <a:rPr lang="en-US" b="1" dirty="0">
-                <a:hlinkClick r:id="rId4"/>
-              </a:rPr>
-              <a:t>https://webref.ru/css/box-shadow</a:t>
-            </a:r>
-            <a:endParaRPr lang="uk-UA" b="1" dirty="0"/>
-          </a:p>
-        </p:txBody>
-      </p:sp>
-      <p:sp>
-        <p:nvSpPr>
           <p:cNvPr id="13" name="TextBox 12"/>
           <p:cNvSpPr txBox="1"/>
           <p:nvPr/>
         </p:nvSpPr>
         <p:spPr>
           <a:xfrm>
-            <a:off x="5591944" y="1455073"/>
+            <a:off x="5591944" y="2263512"/>
             <a:ext cx="6048672" cy="2677656"/>
           </a:xfrm>
           <a:prstGeom prst="rect">
@@ -5121,7 +5465,7 @@
         </p:nvSpPr>
         <p:spPr>
           <a:xfrm>
-            <a:off x="0" y="334398"/>
+            <a:off x="0" y="550421"/>
             <a:ext cx="12192000" cy="646331"/>
           </a:xfrm>
           <a:prstGeom prst="rect">
@@ -5171,55 +5515,13 @@
       </p:sp>
       <p:sp>
         <p:nvSpPr>
-          <p:cNvPr id="15" name="Прямоугольник 14"/>
-          <p:cNvSpPr/>
-          <p:nvPr/>
-        </p:nvSpPr>
-        <p:spPr>
-          <a:xfrm>
-            <a:off x="0" y="5817159"/>
-            <a:ext cx="12192000" cy="707886"/>
-          </a:xfrm>
-          <a:prstGeom prst="rect">
-            <a:avLst/>
-          </a:prstGeom>
-        </p:spPr>
-        <p:txBody>
-          <a:bodyPr wrap="square">
-            <a:spAutoFit/>
-          </a:bodyPr>
-          <a:lstStyle/>
-          <a:p>
-            <a:pPr algn="ctr"/>
-            <a:r>
-              <a:rPr lang="en-US" sz="2000" b="1" dirty="0">
-                <a:hlinkClick r:id="rId2"/>
-              </a:rPr>
-              <a:t>https://webref.ru/css/value/size</a:t>
-            </a:r>
-            <a:endParaRPr lang="ru-RU" sz="2000" b="1" dirty="0"/>
-          </a:p>
-          <a:p>
-            <a:pPr algn="ctr"/>
-            <a:r>
-              <a:rPr lang="en-US" sz="2000" b="1" dirty="0">
-                <a:hlinkClick r:id="rId3"/>
-              </a:rPr>
-              <a:t>https://webref.ru/course/css-basics/size</a:t>
-            </a:r>
-            <a:endParaRPr lang="ru-RU" sz="2000" b="1" dirty="0"/>
-          </a:p>
-        </p:txBody>
-      </p:sp>
-      <p:sp>
-        <p:nvSpPr>
           <p:cNvPr id="2" name="TextBox 1"/>
           <p:cNvSpPr txBox="1"/>
           <p:nvPr/>
         </p:nvSpPr>
         <p:spPr>
           <a:xfrm>
-            <a:off x="1631504" y="1386066"/>
+            <a:off x="1631504" y="1803588"/>
             <a:ext cx="1568058" cy="3785652"/>
           </a:xfrm>
           <a:prstGeom prst="rect">
@@ -5332,7 +5634,7 @@
         </p:nvSpPr>
         <p:spPr>
           <a:xfrm>
-            <a:off x="5087888" y="1386066"/>
+            <a:off x="5087888" y="1803588"/>
             <a:ext cx="1744388" cy="3785652"/>
           </a:xfrm>
           <a:prstGeom prst="rect">
@@ -5433,7 +5735,7 @@
         </p:nvSpPr>
         <p:spPr>
           <a:xfrm>
-            <a:off x="7824192" y="1509177"/>
+            <a:off x="7824192" y="1926699"/>
             <a:ext cx="3096344" cy="3539430"/>
           </a:xfrm>
           <a:prstGeom prst="rect">
@@ -5609,13 +5911,13 @@
           <p:nvPr>
             <p:extLst>
               <p:ext uri="{D42A27DB-BD31-4B8C-83A1-F6EECF244321}">
-                <p14:modId xmlns:p14="http://schemas.microsoft.com/office/powerpoint/2010/main" val="3886774817"/>
+                <p14:modId xmlns:p14="http://schemas.microsoft.com/office/powerpoint/2010/main" val="190015986"/>
               </p:ext>
             </p:extLst>
           </p:nvPr>
         </p:nvGraphicFramePr>
         <p:xfrm>
-          <a:off x="2102187" y="1594480"/>
+          <a:off x="2102187" y="1906319"/>
           <a:ext cx="8191500" cy="2194560"/>
         </p:xfrm>
         <a:graphic>
@@ -5949,7 +6251,7 @@
         </p:nvSpPr>
         <p:spPr>
           <a:xfrm>
-            <a:off x="2097607" y="4221088"/>
+            <a:off x="2097607" y="4532927"/>
             <a:ext cx="8170277" cy="1200329"/>
           </a:xfrm>
           <a:prstGeom prst="rect">
@@ -5968,48 +6270,6 @@
               <a:rPr lang="ru-RU" sz="2400" dirty="0"/>
               <a:t>Не зависят от размера устройства и плотности точек на нём. Величина заданная при помощи абсолютных единиц измерения будет одинакова на всех устройствах.</a:t>
             </a:r>
-          </a:p>
-        </p:txBody>
-      </p:sp>
-      <p:sp>
-        <p:nvSpPr>
-          <p:cNvPr id="15" name="Прямоугольник 14"/>
-          <p:cNvSpPr/>
-          <p:nvPr/>
-        </p:nvSpPr>
-        <p:spPr>
-          <a:xfrm>
-            <a:off x="1343472" y="5757763"/>
-            <a:ext cx="9342784" cy="646331"/>
-          </a:xfrm>
-          <a:prstGeom prst="rect">
-            <a:avLst/>
-          </a:prstGeom>
-        </p:spPr>
-        <p:txBody>
-          <a:bodyPr wrap="square">
-            <a:spAutoFit/>
-          </a:bodyPr>
-          <a:lstStyle/>
-          <a:p>
-            <a:pPr algn="ctr"/>
-            <a:r>
-              <a:rPr lang="en-US" b="1" dirty="0">
-                <a:hlinkClick r:id="rId2"/>
-              </a:rPr>
-              <a:t>https://webref.ru/css/value/size</a:t>
-            </a:r>
-            <a:endParaRPr lang="ru-RU" b="1" dirty="0"/>
-          </a:p>
-          <a:p>
-            <a:pPr algn="ctr"/>
-            <a:r>
-              <a:rPr lang="en-US" b="1" dirty="0">
-                <a:hlinkClick r:id="rId3"/>
-              </a:rPr>
-              <a:t>https://webref.ru/course/css-basics/size</a:t>
-            </a:r>
-            <a:endParaRPr lang="ru-RU" b="1" dirty="0"/>
           </a:p>
         </p:txBody>
       </p:sp>
@@ -6121,7 +6381,7 @@
         </p:nvSpPr>
         <p:spPr>
           <a:xfrm>
-            <a:off x="2102188" y="262390"/>
+            <a:off x="2102188" y="478414"/>
             <a:ext cx="7987627" cy="646331"/>
           </a:xfrm>
           <a:prstGeom prst="rect">
@@ -6143,58 +6403,22 @@
           </a:p>
         </p:txBody>
       </p:sp>
-      <p:sp>
-        <p:nvSpPr>
-          <p:cNvPr id="14" name="Прямоугольник 13"/>
-          <p:cNvSpPr/>
-          <p:nvPr/>
-        </p:nvSpPr>
-        <p:spPr>
-          <a:xfrm>
-            <a:off x="1361728" y="5715254"/>
-            <a:ext cx="9342784" cy="646331"/>
-          </a:xfrm>
-          <a:prstGeom prst="rect">
-            <a:avLst/>
-          </a:prstGeom>
-        </p:spPr>
-        <p:txBody>
-          <a:bodyPr wrap="square">
-            <a:spAutoFit/>
-          </a:bodyPr>
-          <a:lstStyle/>
-          <a:p>
-            <a:pPr algn="ctr"/>
-            <a:r>
-              <a:rPr lang="en-US" b="1" dirty="0">
-                <a:hlinkClick r:id="rId2"/>
-              </a:rPr>
-              <a:t>https://webref.ru/css/value/size</a:t>
-            </a:r>
-            <a:endParaRPr lang="ru-RU" b="1" dirty="0"/>
-          </a:p>
-          <a:p>
-            <a:pPr algn="ctr"/>
-            <a:r>
-              <a:rPr lang="en-US" b="1" dirty="0">
-                <a:hlinkClick r:id="rId3"/>
-              </a:rPr>
-              <a:t>https://webref.ru/course/css-basics/size</a:t>
-            </a:r>
-            <a:endParaRPr lang="ru-RU" b="1" dirty="0"/>
-          </a:p>
-        </p:txBody>
-      </p:sp>
       <p:graphicFrame>
         <p:nvGraphicFramePr>
           <p:cNvPr id="3" name="Таблица 2"/>
           <p:cNvGraphicFramePr>
             <a:graphicFrameLocks noGrp="1"/>
           </p:cNvGraphicFramePr>
-          <p:nvPr/>
+          <p:nvPr>
+            <p:extLst>
+              <p:ext uri="{D42A27DB-BD31-4B8C-83A1-F6EECF244321}">
+                <p14:modId xmlns:p14="http://schemas.microsoft.com/office/powerpoint/2010/main" val="265422627"/>
+              </p:ext>
+            </p:extLst>
+          </p:nvPr>
         </p:nvGraphicFramePr>
         <p:xfrm>
-          <a:off x="1966370" y="3054072"/>
+          <a:off x="1966370" y="3270096"/>
           <a:ext cx="8161163" cy="2103120"/>
         </p:xfrm>
         <a:graphic>
@@ -6531,10 +6755,16 @@
           <p:cNvGraphicFramePr>
             <a:graphicFrameLocks noGrp="1"/>
           </p:cNvGraphicFramePr>
-          <p:nvPr/>
+          <p:nvPr>
+            <p:extLst>
+              <p:ext uri="{D42A27DB-BD31-4B8C-83A1-F6EECF244321}">
+                <p14:modId xmlns:p14="http://schemas.microsoft.com/office/powerpoint/2010/main" val="516294687"/>
+              </p:ext>
+            </p:extLst>
+          </p:nvPr>
         </p:nvGraphicFramePr>
         <p:xfrm>
-          <a:off x="1966370" y="1331019"/>
+          <a:off x="1966370" y="1547043"/>
           <a:ext cx="8122527" cy="1150463"/>
         </p:xfrm>
         <a:graphic>
@@ -7745,7 +7975,7 @@
         </p:nvSpPr>
         <p:spPr>
           <a:xfrm>
-            <a:off x="911424" y="1988840"/>
+            <a:off x="911424" y="2323107"/>
             <a:ext cx="6902915" cy="707886"/>
           </a:xfrm>
           <a:prstGeom prst="rect">
@@ -7820,7 +8050,7 @@
         </p:nvSpPr>
         <p:spPr>
           <a:xfrm>
-            <a:off x="839414" y="3610983"/>
+            <a:off x="839414" y="3945250"/>
             <a:ext cx="7249357" cy="707886"/>
           </a:xfrm>
           <a:prstGeom prst="rect">
@@ -7941,41 +8171,6 @@
               <a:rPr lang="ru-RU" sz="2000" dirty="0"/>
               <a:t>) заданы абсолютными величинами, а высота/ширина – относительными. Что даёт возможность ширине/высоте меняться (адаптироваться, на различных устройствах) но не выходить за допустимые рамки.</a:t>
             </a:r>
-          </a:p>
-        </p:txBody>
-      </p:sp>
-      <p:sp>
-        <p:nvSpPr>
-          <p:cNvPr id="11" name="Прямоугольник 10"/>
-          <p:cNvSpPr/>
-          <p:nvPr/>
-        </p:nvSpPr>
-        <p:spPr>
-          <a:xfrm>
-            <a:off x="781414" y="5233126"/>
-            <a:ext cx="7361887" cy="523220"/>
-          </a:xfrm>
-          <a:prstGeom prst="rect">
-            <a:avLst/>
-          </a:prstGeom>
-        </p:spPr>
-        <p:txBody>
-          <a:bodyPr wrap="none">
-            <a:spAutoFit/>
-          </a:bodyPr>
-          <a:lstStyle/>
-          <a:p>
-            <a:r>
-              <a:rPr lang="ru-RU" sz="2800" b="1" dirty="0"/>
-              <a:t>Подробнее: </a:t>
-            </a:r>
-            <a:r>
-              <a:rPr lang="ru-RU" sz="2800" b="1" dirty="0">
-                <a:hlinkClick r:id="rId2"/>
-              </a:rPr>
-              <a:t>https://habr.com/ru/post/483634/</a:t>
-            </a:r>
-            <a:endParaRPr lang="ru-RU" sz="2800" b="1" dirty="0"/>
           </a:p>
         </p:txBody>
       </p:sp>
@@ -8378,44 +8573,13 @@
       </p:sp>
       <p:sp>
         <p:nvSpPr>
-          <p:cNvPr id="2" name="Прямоугольник 1"/>
-          <p:cNvSpPr/>
-          <p:nvPr/>
-        </p:nvSpPr>
-        <p:spPr>
-          <a:xfrm>
-            <a:off x="6096000" y="4869160"/>
-            <a:ext cx="4339842" cy="461665"/>
-          </a:xfrm>
-          <a:prstGeom prst="rect">
-            <a:avLst/>
-          </a:prstGeom>
-        </p:spPr>
-        <p:txBody>
-          <a:bodyPr wrap="none">
-            <a:spAutoFit/>
-          </a:bodyPr>
-          <a:lstStyle/>
-          <a:p>
-            <a:r>
-              <a:rPr lang="en-US" sz="2400" b="1" dirty="0">
-                <a:hlinkClick r:id="rId2"/>
-              </a:rPr>
-              <a:t>https://webref.ru/css/box-sizing</a:t>
-            </a:r>
-            <a:endParaRPr lang="en-US" sz="2400" b="1" dirty="0"/>
-          </a:p>
-        </p:txBody>
-      </p:sp>
-      <p:sp>
-        <p:nvSpPr>
           <p:cNvPr id="6" name="TextBox 5"/>
           <p:cNvSpPr txBox="1"/>
           <p:nvPr/>
         </p:nvSpPr>
         <p:spPr>
           <a:xfrm>
-            <a:off x="6096000" y="1715324"/>
+            <a:off x="6096000" y="2579420"/>
             <a:ext cx="5112567" cy="1569660"/>
           </a:xfrm>
           <a:prstGeom prst="rect">
@@ -8485,14 +8649,14 @@
           <p:nvPr/>
         </p:nvPicPr>
         <p:blipFill>
-          <a:blip r:embed="rId3"/>
+          <a:blip r:embed="rId2"/>
           <a:stretch>
             <a:fillRect/>
           </a:stretch>
         </p:blipFill>
         <p:spPr>
           <a:xfrm>
-            <a:off x="839416" y="1844824"/>
+            <a:off x="839416" y="2138087"/>
             <a:ext cx="4752528" cy="2659065"/>
           </a:xfrm>
           <a:prstGeom prst="rect">
@@ -9242,8 +9406,8 @@
         </p:nvSpPr>
         <p:spPr>
           <a:xfrm>
-            <a:off x="983432" y="1177582"/>
-            <a:ext cx="10225136" cy="5098575"/>
+            <a:off x="983432" y="1052736"/>
+            <a:ext cx="10513168" cy="5201167"/>
           </a:xfrm>
           <a:prstGeom prst="rect">
             <a:avLst/>
@@ -9387,28 +9551,7 @@
               </a:rPr>
               <a:t>:</a:t>
             </a:r>
-            <a:br>
-              <a:rPr lang="ru-RU" sz="2000" dirty="0">
-                <a:effectLst/>
-                <a:latin typeface="Calibri" panose="020F0502020204030204" pitchFamily="34" charset="0"/>
-                <a:ea typeface="Calibri" panose="020F0502020204030204" pitchFamily="34" charset="0"/>
-                <a:cs typeface="Times New Roman" panose="02020603050405020304" pitchFamily="18" charset="0"/>
-              </a:rPr>
-            </a:br>
-            <a:r>
-              <a:rPr lang="ru-RU" sz="2000" u="sng" dirty="0">
-                <a:solidFill>
-                  <a:srgbClr val="0563C1"/>
-                </a:solidFill>
-                <a:effectLst/>
-                <a:latin typeface="Calibri" panose="020F0502020204030204" pitchFamily="34" charset="0"/>
-                <a:ea typeface="Calibri" panose="020F0502020204030204" pitchFamily="34" charset="0"/>
-                <a:cs typeface="Times New Roman" panose="02020603050405020304" pitchFamily="18" charset="0"/>
-                <a:hlinkClick r:id="rId2"/>
-              </a:rPr>
-              <a:t>https://webref.ru/css/background-image</a:t>
-            </a:r>
-            <a:endParaRPr lang="uk-UA" sz="2000" dirty="0">
+            <a:endParaRPr lang="en-US" sz="2000" dirty="0">
               <a:effectLst/>
               <a:latin typeface="Calibri" panose="020F0502020204030204" pitchFamily="34" charset="0"/>
               <a:ea typeface="Calibri" panose="020F0502020204030204" pitchFamily="34" charset="0"/>
@@ -9424,25 +9567,28 @@
                 <a:spcPts val="800"/>
               </a:spcAft>
             </a:pPr>
-            <a:r>
-              <a:rPr lang="ru-RU" sz="2000" u="sng" dirty="0">
-                <a:solidFill>
-                  <a:srgbClr val="0563C1"/>
-                </a:solidFill>
+            <a:br>
+              <a:rPr lang="ru-RU" sz="2000" dirty="0">
                 <a:effectLst/>
                 <a:latin typeface="Calibri" panose="020F0502020204030204" pitchFamily="34" charset="0"/>
                 <a:ea typeface="Calibri" panose="020F0502020204030204" pitchFamily="34" charset="0"/>
                 <a:cs typeface="Times New Roman" panose="02020603050405020304" pitchFamily="18" charset="0"/>
-                <a:hlinkClick r:id="rId3"/>
-              </a:rPr>
-              <a:t>https://webref.ru/css/background-size</a:t>
-            </a:r>
-            <a:endParaRPr lang="uk-UA" sz="2000" dirty="0">
-              <a:effectLst/>
-              <a:latin typeface="Calibri" panose="020F0502020204030204" pitchFamily="34" charset="0"/>
-              <a:ea typeface="Calibri" panose="020F0502020204030204" pitchFamily="34" charset="0"/>
-              <a:cs typeface="Times New Roman" panose="02020603050405020304" pitchFamily="18" charset="0"/>
-            </a:endParaRPr>
+              </a:rPr>
+            </a:br>
+            <a:r>
+              <a:rPr lang="en-US" sz="2000" b="1" dirty="0">
+                <a:solidFill>
+                  <a:schemeClr val="accent6">
+                    <a:lumMod val="75000"/>
+                  </a:schemeClr>
+                </a:solidFill>
+                <a:effectLst/>
+                <a:latin typeface="Calibri" panose="020F0502020204030204" pitchFamily="34" charset="0"/>
+                <a:ea typeface="Calibri" panose="020F0502020204030204" pitchFamily="34" charset="0"/>
+                <a:cs typeface="Times New Roman" panose="02020603050405020304" pitchFamily="18" charset="0"/>
+              </a:rPr>
+              <a:t>background-image</a:t>
+            </a:r>
           </a:p>
           <a:p>
             <a:pPr>
@@ -9454,17 +9600,42 @@
               </a:spcAft>
             </a:pPr>
             <a:r>
-              <a:rPr lang="ru-RU" sz="2000" u="sng" dirty="0">
-                <a:solidFill>
-                  <a:srgbClr val="0563C1"/>
+              <a:rPr lang="en-US" sz="2000" b="1" dirty="0">
+                <a:solidFill>
+                  <a:schemeClr val="accent6">
+                    <a:lumMod val="75000"/>
+                  </a:schemeClr>
                 </a:solidFill>
                 <a:effectLst/>
                 <a:latin typeface="Calibri" panose="020F0502020204030204" pitchFamily="34" charset="0"/>
                 <a:ea typeface="Calibri" panose="020F0502020204030204" pitchFamily="34" charset="0"/>
                 <a:cs typeface="Times New Roman" panose="02020603050405020304" pitchFamily="18" charset="0"/>
-                <a:hlinkClick r:id="rId4"/>
-              </a:rPr>
-              <a:t>https://webref.ru/css/background-position</a:t>
+              </a:rPr>
+              <a:t>background-size</a:t>
+            </a:r>
+          </a:p>
+          <a:p>
+            <a:pPr>
+              <a:lnSpc>
+                <a:spcPct val="107000"/>
+              </a:lnSpc>
+              <a:spcAft>
+                <a:spcPts val="800"/>
+              </a:spcAft>
+            </a:pPr>
+            <a:r>
+              <a:rPr lang="en-US" sz="2000" b="1" dirty="0">
+                <a:solidFill>
+                  <a:schemeClr val="accent6">
+                    <a:lumMod val="75000"/>
+                  </a:schemeClr>
+                </a:solidFill>
+                <a:effectLst/>
+                <a:latin typeface="Calibri" panose="020F0502020204030204" pitchFamily="34" charset="0"/>
+                <a:ea typeface="Calibri" panose="020F0502020204030204" pitchFamily="34" charset="0"/>
+                <a:cs typeface="Times New Roman" panose="02020603050405020304" pitchFamily="18" charset="0"/>
+              </a:rPr>
+              <a:t>background-position</a:t>
             </a:r>
             <a:br>
               <a:rPr lang="ru-RU" sz="2000" dirty="0">
@@ -10737,7 +10908,7 @@
         </p:blipFill>
         <p:spPr bwMode="auto">
           <a:xfrm>
-            <a:off x="406111" y="908720"/>
+            <a:off x="406111" y="1556792"/>
             <a:ext cx="6265953" cy="3860792"/>
           </a:xfrm>
           <a:prstGeom prst="rect">
@@ -10760,7 +10931,7 @@
         </p:nvSpPr>
         <p:spPr>
           <a:xfrm>
-            <a:off x="7104112" y="1340768"/>
+            <a:off x="7104112" y="1988840"/>
             <a:ext cx="4104455" cy="3108543"/>
           </a:xfrm>
           <a:prstGeom prst="rect">
@@ -10866,38 +11037,6 @@
               <a:rPr lang="ru-RU" sz="2800" dirty="0"/>
               <a:t> </a:t>
             </a:r>
-          </a:p>
-        </p:txBody>
-      </p:sp>
-      <p:sp>
-        <p:nvSpPr>
-          <p:cNvPr id="2" name="Прямоугольник 1"/>
-          <p:cNvSpPr/>
-          <p:nvPr/>
-        </p:nvSpPr>
-        <p:spPr>
-          <a:xfrm>
-            <a:off x="1631505" y="4973841"/>
-            <a:ext cx="3760217" cy="369332"/>
-          </a:xfrm>
-          <a:prstGeom prst="rect">
-            <a:avLst/>
-          </a:prstGeom>
-          <a:noFill/>
-        </p:spPr>
-        <p:txBody>
-          <a:bodyPr wrap="square">
-            <a:spAutoFit/>
-          </a:bodyPr>
-          <a:lstStyle/>
-          <a:p>
-            <a:r>
-              <a:rPr lang="uk-UA" b="1" dirty="0">
-                <a:hlinkClick r:id="rId3"/>
-              </a:rPr>
-              <a:t>https://webref.ru/css/type/size</a:t>
-            </a:r>
-            <a:endParaRPr lang="uk-UA" b="1" dirty="0"/>
           </a:p>
         </p:txBody>
       </p:sp>
@@ -10928,114 +11067,6 @@
               <a:rPr lang="en-US" sz="3200" b="1" dirty="0"/>
               <a:t>CSS Box Model</a:t>
             </a:r>
-          </a:p>
-        </p:txBody>
-      </p:sp>
-      <p:sp>
-        <p:nvSpPr>
-          <p:cNvPr id="3" name="Прямоугольник 2"/>
-          <p:cNvSpPr/>
-          <p:nvPr/>
-        </p:nvSpPr>
-        <p:spPr>
-          <a:xfrm>
-            <a:off x="1631505" y="5326234"/>
-            <a:ext cx="4140907" cy="369332"/>
-          </a:xfrm>
-          <a:prstGeom prst="rect">
-            <a:avLst/>
-          </a:prstGeom>
-          <a:noFill/>
-        </p:spPr>
-        <p:txBody>
-          <a:bodyPr wrap="square">
-            <a:spAutoFit/>
-          </a:bodyPr>
-          <a:lstStyle/>
-          <a:p>
-            <a:r>
-              <a:rPr lang="uk-UA" b="1" dirty="0">
-                <a:hlinkClick r:id="rId4"/>
-              </a:rPr>
-              <a:t>https://webref.ru/css/type/margin</a:t>
-            </a:r>
-            <a:endParaRPr lang="uk-UA" b="1" dirty="0"/>
-          </a:p>
-        </p:txBody>
-      </p:sp>
-      <p:sp>
-        <p:nvSpPr>
-          <p:cNvPr id="10" name="Прямоугольник 9"/>
-          <p:cNvSpPr/>
-          <p:nvPr/>
-        </p:nvSpPr>
-        <p:spPr>
-          <a:xfrm>
-            <a:off x="1631505" y="5726101"/>
-            <a:ext cx="4140907" cy="369332"/>
-          </a:xfrm>
-          <a:prstGeom prst="rect">
-            <a:avLst/>
-          </a:prstGeom>
-          <a:noFill/>
-        </p:spPr>
-        <p:txBody>
-          <a:bodyPr wrap="square">
-            <a:spAutoFit/>
-          </a:bodyPr>
-          <a:lstStyle/>
-          <a:p>
-            <a:r>
-              <a:rPr lang="uk-UA" b="1" dirty="0">
-                <a:hlinkClick r:id="rId5"/>
-              </a:rPr>
-              <a:t>https://webref.ru/css/type/</a:t>
-            </a:r>
-            <a:r>
-              <a:rPr lang="en-US" b="1" dirty="0">
-                <a:hlinkClick r:id="rId5"/>
-              </a:rPr>
-              <a:t>padding</a:t>
-            </a:r>
-            <a:endParaRPr lang="uk-UA" b="1" dirty="0"/>
-          </a:p>
-        </p:txBody>
-      </p:sp>
-      <p:sp>
-        <p:nvSpPr>
-          <p:cNvPr id="13" name="Прямоугольник 12"/>
-          <p:cNvSpPr/>
-          <p:nvPr/>
-        </p:nvSpPr>
-        <p:spPr>
-          <a:xfrm>
-            <a:off x="1631504" y="6125969"/>
-            <a:ext cx="4140907" cy="369332"/>
-          </a:xfrm>
-          <a:prstGeom prst="rect">
-            <a:avLst/>
-          </a:prstGeom>
-          <a:noFill/>
-        </p:spPr>
-        <p:txBody>
-          <a:bodyPr wrap="square">
-            <a:spAutoFit/>
-          </a:bodyPr>
-          <a:lstStyle/>
-          <a:p>
-            <a:r>
-              <a:rPr lang="uk-UA" b="1" dirty="0">
-                <a:hlinkClick r:id="rId6"/>
-              </a:rPr>
-              <a:t>https://webref.ru/css/type/</a:t>
-            </a:r>
-            <a:r>
-              <a:rPr lang="en-US" b="1" dirty="0">
-                <a:hlinkClick r:id="rId6"/>
-              </a:rPr>
-              <a:t>border</a:t>
-            </a:r>
-            <a:endParaRPr lang="uk-UA" b="1" dirty="0"/>
           </a:p>
         </p:txBody>
       </p:sp>
@@ -11682,7 +11713,7 @@
         </p:nvSpPr>
         <p:spPr>
           <a:xfrm>
-            <a:off x="1271464" y="4200086"/>
+            <a:off x="1271464" y="4379620"/>
             <a:ext cx="10297144" cy="1569660"/>
           </a:xfrm>
           <a:prstGeom prst="rect">
@@ -11784,7 +11815,7 @@
         </p:blipFill>
         <p:spPr>
           <a:xfrm>
-            <a:off x="2603612" y="1124744"/>
+            <a:off x="2603612" y="1304278"/>
             <a:ext cx="7056784" cy="2565386"/>
           </a:xfrm>
           <a:prstGeom prst="rect">
@@ -11802,37 +11833,6 @@
           </a:effectLst>
         </p:spPr>
       </p:pic>
-      <p:sp>
-        <p:nvSpPr>
-          <p:cNvPr id="4" name="Прямоугольник 3"/>
-          <p:cNvSpPr/>
-          <p:nvPr/>
-        </p:nvSpPr>
-        <p:spPr>
-          <a:xfrm>
-            <a:off x="3926079" y="6279703"/>
-            <a:ext cx="4339842" cy="461665"/>
-          </a:xfrm>
-          <a:prstGeom prst="rect">
-            <a:avLst/>
-          </a:prstGeom>
-        </p:spPr>
-        <p:txBody>
-          <a:bodyPr wrap="none">
-            <a:spAutoFit/>
-          </a:bodyPr>
-          <a:lstStyle/>
-          <a:p>
-            <a:r>
-              <a:rPr lang="en-US" sz="2400" b="1" dirty="0">
-                <a:hlinkClick r:id="rId3"/>
-              </a:rPr>
-              <a:t>https://webref.ru/css/box-sizing</a:t>
-            </a:r>
-            <a:endParaRPr lang="uk-UA" sz="2400" b="1" dirty="0"/>
-          </a:p>
-        </p:txBody>
-      </p:sp>
     </p:spTree>
     <p:extLst>
       <p:ext uri="{BB962C8B-B14F-4D97-AF65-F5344CB8AC3E}">
@@ -11871,7 +11871,7 @@
         </p:nvSpPr>
         <p:spPr>
           <a:xfrm>
-            <a:off x="0" y="260648"/>
+            <a:off x="0" y="478413"/>
             <a:ext cx="12192000" cy="646331"/>
           </a:xfrm>
           <a:prstGeom prst="rect">
@@ -11978,44 +11978,13 @@
       </p:sp>
       <p:sp>
         <p:nvSpPr>
-          <p:cNvPr id="4" name="Прямоугольник 3"/>
-          <p:cNvSpPr/>
-          <p:nvPr/>
-        </p:nvSpPr>
-        <p:spPr>
-          <a:xfrm>
-            <a:off x="3791744" y="5603031"/>
-            <a:ext cx="5715860" cy="584775"/>
-          </a:xfrm>
-          <a:prstGeom prst="rect">
-            <a:avLst/>
-          </a:prstGeom>
-        </p:spPr>
-        <p:txBody>
-          <a:bodyPr wrap="none">
-            <a:spAutoFit/>
-          </a:bodyPr>
-          <a:lstStyle/>
-          <a:p>
-            <a:r>
-              <a:rPr lang="en-US" sz="3200" b="1" dirty="0">
-                <a:hlinkClick r:id="rId2"/>
-              </a:rPr>
-              <a:t>https://webref.ru/css/box-sizing</a:t>
-            </a:r>
-            <a:endParaRPr lang="uk-UA" sz="3200" b="1" dirty="0"/>
-          </a:p>
-        </p:txBody>
-      </p:sp>
-      <p:sp>
-        <p:nvSpPr>
           <p:cNvPr id="5" name="TextBox 4"/>
           <p:cNvSpPr txBox="1"/>
           <p:nvPr/>
         </p:nvSpPr>
         <p:spPr>
           <a:xfrm>
-            <a:off x="623392" y="1844824"/>
+            <a:off x="623392" y="2182870"/>
             <a:ext cx="3560718" cy="830997"/>
           </a:xfrm>
           <a:prstGeom prst="rect">
@@ -12074,7 +12043,7 @@
         </p:nvSpPr>
         <p:spPr>
           <a:xfrm>
-            <a:off x="4727848" y="1866528"/>
+            <a:off x="4727848" y="2204574"/>
             <a:ext cx="936104" cy="504056"/>
           </a:xfrm>
           <a:prstGeom prst="rightArrow">
@@ -12115,7 +12084,7 @@
         </p:nvSpPr>
         <p:spPr>
           <a:xfrm>
-            <a:off x="5963714" y="1844824"/>
+            <a:off x="5963714" y="2182870"/>
             <a:ext cx="3515771" cy="523220"/>
           </a:xfrm>
           <a:prstGeom prst="rect">
@@ -12161,7 +12130,7 @@
         </p:nvSpPr>
         <p:spPr>
           <a:xfrm>
-            <a:off x="623392" y="3863878"/>
+            <a:off x="623392" y="4201924"/>
             <a:ext cx="3424848" cy="523220"/>
           </a:xfrm>
           <a:prstGeom prst="rect">
@@ -12200,7 +12169,7 @@
         </p:nvSpPr>
         <p:spPr>
           <a:xfrm>
-            <a:off x="4295800" y="3873460"/>
+            <a:off x="4295800" y="4211506"/>
             <a:ext cx="936104" cy="504056"/>
           </a:xfrm>
           <a:prstGeom prst="rightArrow">
@@ -12241,7 +12210,7 @@
         </p:nvSpPr>
         <p:spPr>
           <a:xfrm>
-            <a:off x="5447928" y="3863878"/>
+            <a:off x="5447928" y="4201924"/>
             <a:ext cx="6368988" cy="523220"/>
           </a:xfrm>
           <a:prstGeom prst="rect">
